--- a/UI.pptx
+++ b/UI.pptx
@@ -6,8 +6,9 @@
   </p:sldMasterIdLst>
   <p:sldIdLst>
     <p:sldId id="257" r:id="rId2"/>
-    <p:sldId id="256" r:id="rId3"/>
-    <p:sldId id="258" r:id="rId4"/>
+    <p:sldId id="259" r:id="rId3"/>
+    <p:sldId id="256" r:id="rId4"/>
+    <p:sldId id="258" r:id="rId5"/>
   </p:sldIdLst>
   <p:sldSz cx="12192000" cy="6858000"/>
   <p:notesSz cx="6858000" cy="9144000"/>
@@ -108,7 +109,18 @@
   </p:defaultTextStyle>
   <p:extLst>
     <p:ext uri="{EFAFB233-063F-42B5-8137-9DF3F51BA10A}">
-      <p15:sldGuideLst xmlns:p15="http://schemas.microsoft.com/office/powerpoint/2012/main"/>
+      <p15:sldGuideLst xmlns:p15="http://schemas.microsoft.com/office/powerpoint/2012/main">
+        <p15:guide id="1" orient="horz" pos="2160" userDrawn="1">
+          <p15:clr>
+            <a:srgbClr val="A4A3A4"/>
+          </p15:clr>
+        </p15:guide>
+        <p15:guide id="2" pos="3840" userDrawn="1">
+          <p15:clr>
+            <a:srgbClr val="A4A3A4"/>
+          </p15:clr>
+        </p15:guide>
+      </p15:sldGuideLst>
     </p:ext>
   </p:extLst>
 </p:presentation>
@@ -261,7 +273,7 @@
           <a:p>
             <a:fld id="{F1359E78-7ACB-45BB-A619-5E5F762CB99E}" type="datetimeFigureOut">
               <a:rPr lang="zh-CN" altLang="en-US" smtClean="0"/>
-              <a:t>2019/3/2</a:t>
+              <a:t>2019/3/9</a:t>
             </a:fld>
             <a:endParaRPr lang="zh-CN" altLang="en-US"/>
           </a:p>
@@ -459,7 +471,7 @@
           <a:p>
             <a:fld id="{F1359E78-7ACB-45BB-A619-5E5F762CB99E}" type="datetimeFigureOut">
               <a:rPr lang="zh-CN" altLang="en-US" smtClean="0"/>
-              <a:t>2019/3/2</a:t>
+              <a:t>2019/3/9</a:t>
             </a:fld>
             <a:endParaRPr lang="zh-CN" altLang="en-US"/>
           </a:p>
@@ -667,7 +679,7 @@
           <a:p>
             <a:fld id="{F1359E78-7ACB-45BB-A619-5E5F762CB99E}" type="datetimeFigureOut">
               <a:rPr lang="zh-CN" altLang="en-US" smtClean="0"/>
-              <a:t>2019/3/2</a:t>
+              <a:t>2019/3/9</a:t>
             </a:fld>
             <a:endParaRPr lang="zh-CN" altLang="en-US"/>
           </a:p>
@@ -865,7 +877,7 @@
           <a:p>
             <a:fld id="{F1359E78-7ACB-45BB-A619-5E5F762CB99E}" type="datetimeFigureOut">
               <a:rPr lang="zh-CN" altLang="en-US" smtClean="0"/>
-              <a:t>2019/3/2</a:t>
+              <a:t>2019/3/9</a:t>
             </a:fld>
             <a:endParaRPr lang="zh-CN" altLang="en-US"/>
           </a:p>
@@ -1140,7 +1152,7 @@
           <a:p>
             <a:fld id="{F1359E78-7ACB-45BB-A619-5E5F762CB99E}" type="datetimeFigureOut">
               <a:rPr lang="zh-CN" altLang="en-US" smtClean="0"/>
-              <a:t>2019/3/2</a:t>
+              <a:t>2019/3/9</a:t>
             </a:fld>
             <a:endParaRPr lang="zh-CN" altLang="en-US"/>
           </a:p>
@@ -1405,7 +1417,7 @@
           <a:p>
             <a:fld id="{F1359E78-7ACB-45BB-A619-5E5F762CB99E}" type="datetimeFigureOut">
               <a:rPr lang="zh-CN" altLang="en-US" smtClean="0"/>
-              <a:t>2019/3/2</a:t>
+              <a:t>2019/3/9</a:t>
             </a:fld>
             <a:endParaRPr lang="zh-CN" altLang="en-US"/>
           </a:p>
@@ -1817,7 +1829,7 @@
           <a:p>
             <a:fld id="{F1359E78-7ACB-45BB-A619-5E5F762CB99E}" type="datetimeFigureOut">
               <a:rPr lang="zh-CN" altLang="en-US" smtClean="0"/>
-              <a:t>2019/3/2</a:t>
+              <a:t>2019/3/9</a:t>
             </a:fld>
             <a:endParaRPr lang="zh-CN" altLang="en-US"/>
           </a:p>
@@ -1958,7 +1970,7 @@
           <a:p>
             <a:fld id="{F1359E78-7ACB-45BB-A619-5E5F762CB99E}" type="datetimeFigureOut">
               <a:rPr lang="zh-CN" altLang="en-US" smtClean="0"/>
-              <a:t>2019/3/2</a:t>
+              <a:t>2019/3/9</a:t>
             </a:fld>
             <a:endParaRPr lang="zh-CN" altLang="en-US"/>
           </a:p>
@@ -2071,7 +2083,7 @@
           <a:p>
             <a:fld id="{F1359E78-7ACB-45BB-A619-5E5F762CB99E}" type="datetimeFigureOut">
               <a:rPr lang="zh-CN" altLang="en-US" smtClean="0"/>
-              <a:t>2019/3/2</a:t>
+              <a:t>2019/3/9</a:t>
             </a:fld>
             <a:endParaRPr lang="zh-CN" altLang="en-US"/>
           </a:p>
@@ -2382,7 +2394,7 @@
           <a:p>
             <a:fld id="{F1359E78-7ACB-45BB-A619-5E5F762CB99E}" type="datetimeFigureOut">
               <a:rPr lang="zh-CN" altLang="en-US" smtClean="0"/>
-              <a:t>2019/3/2</a:t>
+              <a:t>2019/3/9</a:t>
             </a:fld>
             <a:endParaRPr lang="zh-CN" altLang="en-US"/>
           </a:p>
@@ -2670,7 +2682,7 @@
           <a:p>
             <a:fld id="{F1359E78-7ACB-45BB-A619-5E5F762CB99E}" type="datetimeFigureOut">
               <a:rPr lang="zh-CN" altLang="en-US" smtClean="0"/>
-              <a:t>2019/3/2</a:t>
+              <a:t>2019/3/9</a:t>
             </a:fld>
             <a:endParaRPr lang="zh-CN" altLang="en-US"/>
           </a:p>
@@ -2911,7 +2923,7 @@
           <a:p>
             <a:fld id="{F1359E78-7ACB-45BB-A619-5E5F762CB99E}" type="datetimeFigureOut">
               <a:rPr lang="zh-CN" altLang="en-US" smtClean="0"/>
-              <a:t>2019/3/2</a:t>
+              <a:t>2019/3/9</a:t>
             </a:fld>
             <a:endParaRPr lang="zh-CN" altLang="en-US"/>
           </a:p>
@@ -5612,7 +5624,7 @@
               </a:avLst>
             </a:prstGeom>
             <a:solidFill>
-              <a:srgbClr val="00B0F0"/>
+              <a:srgbClr val="8AE4F8"/>
             </a:solidFill>
             <a:ln w="19050">
               <a:noFill/>
@@ -5944,6 +5956,400 @@
           </p:txBody>
         </p:sp>
       </p:grpSp>
+      <p:sp>
+        <p:nvSpPr>
+          <p:cNvPr id="41" name="矩形 40">
+            <a:extLst>
+              <a:ext uri="{FF2B5EF4-FFF2-40B4-BE49-F238E27FC236}">
+                <a16:creationId xmlns:a16="http://schemas.microsoft.com/office/drawing/2014/main" id="{9EBFF356-69A2-4E52-9DFE-AAA8C7228D63}"/>
+              </a:ext>
+            </a:extLst>
+          </p:cNvPr>
+          <p:cNvSpPr/>
+          <p:nvPr/>
+        </p:nvSpPr>
+        <p:spPr>
+          <a:xfrm>
+            <a:off x="3774176" y="1720196"/>
+            <a:ext cx="504000" cy="504000"/>
+          </a:xfrm>
+          <a:prstGeom prst="rect">
+            <a:avLst/>
+          </a:prstGeom>
+          <a:solidFill>
+            <a:srgbClr val="5FE5DD"/>
+          </a:solidFill>
+          <a:ln w="19050">
+            <a:noFill/>
+          </a:ln>
+        </p:spPr>
+        <p:style>
+          <a:lnRef idx="2">
+            <a:schemeClr val="accent1">
+              <a:shade val="50000"/>
+            </a:schemeClr>
+          </a:lnRef>
+          <a:fillRef idx="1">
+            <a:schemeClr val="accent1"/>
+          </a:fillRef>
+          <a:effectRef idx="0">
+            <a:schemeClr val="accent1"/>
+          </a:effectRef>
+          <a:fontRef idx="minor">
+            <a:schemeClr val="lt1"/>
+          </a:fontRef>
+        </p:style>
+        <p:txBody>
+          <a:bodyPr rtlCol="0" anchor="ctr"/>
+          <a:lstStyle/>
+          <a:p>
+            <a:pPr algn="ctr"/>
+            <a:endParaRPr lang="zh-CN" altLang="en-US"/>
+          </a:p>
+        </p:txBody>
+      </p:sp>
+      <p:sp>
+        <p:nvSpPr>
+          <p:cNvPr id="51" name="任意多边形: 形状 50">
+            <a:extLst>
+              <a:ext uri="{FF2B5EF4-FFF2-40B4-BE49-F238E27FC236}">
+                <a16:creationId xmlns:a16="http://schemas.microsoft.com/office/drawing/2014/main" id="{43247ED2-A963-4BAE-BA0D-3DC8042E70EC}"/>
+              </a:ext>
+            </a:extLst>
+          </p:cNvPr>
+          <p:cNvSpPr/>
+          <p:nvPr/>
+        </p:nvSpPr>
+        <p:spPr>
+          <a:xfrm>
+            <a:off x="3869573" y="1720196"/>
+            <a:ext cx="408603" cy="504000"/>
+          </a:xfrm>
+          <a:custGeom>
+            <a:avLst/>
+            <a:gdLst>
+              <a:gd name="connsiteX0" fmla="*/ 316211 w 408603"/>
+              <a:gd name="connsiteY0" fmla="*/ 0 h 504000"/>
+              <a:gd name="connsiteX1" fmla="*/ 408603 w 408603"/>
+              <a:gd name="connsiteY1" fmla="*/ 0 h 504000"/>
+              <a:gd name="connsiteX2" fmla="*/ 408603 w 408603"/>
+              <a:gd name="connsiteY2" fmla="*/ 504000 h 504000"/>
+              <a:gd name="connsiteX3" fmla="*/ 0 w 408603"/>
+              <a:gd name="connsiteY3" fmla="*/ 504000 h 504000"/>
+            </a:gdLst>
+            <a:ahLst/>
+            <a:cxnLst>
+              <a:cxn ang="0">
+                <a:pos x="connsiteX0" y="connsiteY0"/>
+              </a:cxn>
+              <a:cxn ang="0">
+                <a:pos x="connsiteX1" y="connsiteY1"/>
+              </a:cxn>
+              <a:cxn ang="0">
+                <a:pos x="connsiteX2" y="connsiteY2"/>
+              </a:cxn>
+              <a:cxn ang="0">
+                <a:pos x="connsiteX3" y="connsiteY3"/>
+              </a:cxn>
+            </a:cxnLst>
+            <a:rect l="l" t="t" r="r" b="b"/>
+            <a:pathLst>
+              <a:path w="408603" h="504000">
+                <a:moveTo>
+                  <a:pt x="316211" y="0"/>
+                </a:moveTo>
+                <a:lnTo>
+                  <a:pt x="408603" y="0"/>
+                </a:lnTo>
+                <a:lnTo>
+                  <a:pt x="408603" y="504000"/>
+                </a:lnTo>
+                <a:lnTo>
+                  <a:pt x="0" y="504000"/>
+                </a:lnTo>
+                <a:close/>
+              </a:path>
+            </a:pathLst>
+          </a:custGeom>
+          <a:solidFill>
+            <a:schemeClr val="bg1">
+              <a:alpha val="40000"/>
+            </a:schemeClr>
+          </a:solidFill>
+          <a:ln w="19050">
+            <a:noFill/>
+          </a:ln>
+        </p:spPr>
+        <p:style>
+          <a:lnRef idx="2">
+            <a:schemeClr val="accent1">
+              <a:shade val="50000"/>
+            </a:schemeClr>
+          </a:lnRef>
+          <a:fillRef idx="1">
+            <a:schemeClr val="accent1"/>
+          </a:fillRef>
+          <a:effectRef idx="0">
+            <a:schemeClr val="accent1"/>
+          </a:effectRef>
+          <a:fontRef idx="minor">
+            <a:schemeClr val="lt1"/>
+          </a:fontRef>
+        </p:style>
+        <p:txBody>
+          <a:bodyPr wrap="square" rtlCol="0" anchor="ctr">
+            <a:noAutofit/>
+          </a:bodyPr>
+          <a:lstStyle/>
+          <a:p>
+            <a:pPr algn="ctr"/>
+            <a:endParaRPr lang="zh-CN" altLang="en-US"/>
+          </a:p>
+        </p:txBody>
+      </p:sp>
+      <p:sp>
+        <p:nvSpPr>
+          <p:cNvPr id="2" name="文本框 1">
+            <a:extLst>
+              <a:ext uri="{FF2B5EF4-FFF2-40B4-BE49-F238E27FC236}">
+                <a16:creationId xmlns:a16="http://schemas.microsoft.com/office/drawing/2014/main" id="{EFD9EA3A-5436-4C59-88A6-5A10AB350F4C}"/>
+              </a:ext>
+            </a:extLst>
+          </p:cNvPr>
+          <p:cNvSpPr txBox="1"/>
+          <p:nvPr/>
+        </p:nvSpPr>
+        <p:spPr>
+          <a:xfrm>
+            <a:off x="3815919" y="1802919"/>
+            <a:ext cx="433132" cy="338554"/>
+          </a:xfrm>
+          <a:prstGeom prst="rect">
+            <a:avLst/>
+          </a:prstGeom>
+          <a:noFill/>
+        </p:spPr>
+        <p:txBody>
+          <a:bodyPr wrap="none" rtlCol="0">
+            <a:spAutoFit/>
+          </a:bodyPr>
+          <a:lstStyle/>
+          <a:p>
+            <a:r>
+              <a:rPr lang="en-US" altLang="zh-CN" sz="1600" dirty="0" err="1">
+                <a:solidFill>
+                  <a:schemeClr val="bg1"/>
+                </a:solidFill>
+                <a:latin typeface="Tw Cen MT" panose="020B0602020104020603" pitchFamily="34" charset="0"/>
+              </a:rPr>
+              <a:t>Btn</a:t>
+            </a:r>
+            <a:endParaRPr lang="zh-CN" altLang="en-US" sz="1600" dirty="0">
+              <a:solidFill>
+                <a:schemeClr val="bg1"/>
+              </a:solidFill>
+              <a:latin typeface="Tw Cen MT" panose="020B0602020104020603" pitchFamily="34" charset="0"/>
+            </a:endParaRPr>
+          </a:p>
+        </p:txBody>
+      </p:sp>
+      <p:sp>
+        <p:nvSpPr>
+          <p:cNvPr id="58" name="矩形 57">
+            <a:extLst>
+              <a:ext uri="{FF2B5EF4-FFF2-40B4-BE49-F238E27FC236}">
+                <a16:creationId xmlns:a16="http://schemas.microsoft.com/office/drawing/2014/main" id="{22A01592-85D6-4E1E-864A-7223F3FD3E7A}"/>
+              </a:ext>
+            </a:extLst>
+          </p:cNvPr>
+          <p:cNvSpPr/>
+          <p:nvPr/>
+        </p:nvSpPr>
+        <p:spPr>
+          <a:xfrm>
+            <a:off x="3779282" y="2414658"/>
+            <a:ext cx="504000" cy="504000"/>
+          </a:xfrm>
+          <a:prstGeom prst="rect">
+            <a:avLst/>
+          </a:prstGeom>
+          <a:solidFill>
+            <a:srgbClr val="5FE5DD"/>
+          </a:solidFill>
+          <a:ln w="19050">
+            <a:noFill/>
+          </a:ln>
+        </p:spPr>
+        <p:style>
+          <a:lnRef idx="2">
+            <a:schemeClr val="accent1">
+              <a:shade val="50000"/>
+            </a:schemeClr>
+          </a:lnRef>
+          <a:fillRef idx="1">
+            <a:schemeClr val="accent1"/>
+          </a:fillRef>
+          <a:effectRef idx="0">
+            <a:schemeClr val="accent1"/>
+          </a:effectRef>
+          <a:fontRef idx="minor">
+            <a:schemeClr val="lt1"/>
+          </a:fontRef>
+        </p:style>
+        <p:txBody>
+          <a:bodyPr rtlCol="0" anchor="ctr"/>
+          <a:lstStyle/>
+          <a:p>
+            <a:pPr algn="ctr"/>
+            <a:endParaRPr lang="zh-CN" altLang="en-US"/>
+          </a:p>
+        </p:txBody>
+      </p:sp>
+      <p:sp>
+        <p:nvSpPr>
+          <p:cNvPr id="62" name="任意多边形: 形状 61">
+            <a:extLst>
+              <a:ext uri="{FF2B5EF4-FFF2-40B4-BE49-F238E27FC236}">
+                <a16:creationId xmlns:a16="http://schemas.microsoft.com/office/drawing/2014/main" id="{A30BBD83-7F0E-4178-9B53-9A2B318FC7D5}"/>
+              </a:ext>
+            </a:extLst>
+          </p:cNvPr>
+          <p:cNvSpPr/>
+          <p:nvPr/>
+        </p:nvSpPr>
+        <p:spPr>
+          <a:xfrm>
+            <a:off x="3874679" y="2414658"/>
+            <a:ext cx="408603" cy="504000"/>
+          </a:xfrm>
+          <a:custGeom>
+            <a:avLst/>
+            <a:gdLst>
+              <a:gd name="connsiteX0" fmla="*/ 316211 w 408603"/>
+              <a:gd name="connsiteY0" fmla="*/ 0 h 504000"/>
+              <a:gd name="connsiteX1" fmla="*/ 408603 w 408603"/>
+              <a:gd name="connsiteY1" fmla="*/ 0 h 504000"/>
+              <a:gd name="connsiteX2" fmla="*/ 408603 w 408603"/>
+              <a:gd name="connsiteY2" fmla="*/ 504000 h 504000"/>
+              <a:gd name="connsiteX3" fmla="*/ 0 w 408603"/>
+              <a:gd name="connsiteY3" fmla="*/ 504000 h 504000"/>
+            </a:gdLst>
+            <a:ahLst/>
+            <a:cxnLst>
+              <a:cxn ang="0">
+                <a:pos x="connsiteX0" y="connsiteY0"/>
+              </a:cxn>
+              <a:cxn ang="0">
+                <a:pos x="connsiteX1" y="connsiteY1"/>
+              </a:cxn>
+              <a:cxn ang="0">
+                <a:pos x="connsiteX2" y="connsiteY2"/>
+              </a:cxn>
+              <a:cxn ang="0">
+                <a:pos x="connsiteX3" y="connsiteY3"/>
+              </a:cxn>
+            </a:cxnLst>
+            <a:rect l="l" t="t" r="r" b="b"/>
+            <a:pathLst>
+              <a:path w="408603" h="504000">
+                <a:moveTo>
+                  <a:pt x="316211" y="0"/>
+                </a:moveTo>
+                <a:lnTo>
+                  <a:pt x="408603" y="0"/>
+                </a:lnTo>
+                <a:lnTo>
+                  <a:pt x="408603" y="504000"/>
+                </a:lnTo>
+                <a:lnTo>
+                  <a:pt x="0" y="504000"/>
+                </a:lnTo>
+                <a:close/>
+              </a:path>
+            </a:pathLst>
+          </a:custGeom>
+          <a:solidFill>
+            <a:schemeClr val="bg1">
+              <a:alpha val="40000"/>
+            </a:schemeClr>
+          </a:solidFill>
+          <a:ln w="19050">
+            <a:noFill/>
+          </a:ln>
+        </p:spPr>
+        <p:style>
+          <a:lnRef idx="2">
+            <a:schemeClr val="accent1">
+              <a:shade val="50000"/>
+            </a:schemeClr>
+          </a:lnRef>
+          <a:fillRef idx="1">
+            <a:schemeClr val="accent1"/>
+          </a:fillRef>
+          <a:effectRef idx="0">
+            <a:schemeClr val="accent1"/>
+          </a:effectRef>
+          <a:fontRef idx="minor">
+            <a:schemeClr val="lt1"/>
+          </a:fontRef>
+        </p:style>
+        <p:txBody>
+          <a:bodyPr wrap="square" rtlCol="0" anchor="ctr">
+            <a:noAutofit/>
+          </a:bodyPr>
+          <a:lstStyle/>
+          <a:p>
+            <a:pPr algn="ctr"/>
+            <a:endParaRPr lang="zh-CN" altLang="en-US"/>
+          </a:p>
+        </p:txBody>
+      </p:sp>
+      <p:sp>
+        <p:nvSpPr>
+          <p:cNvPr id="63" name="文本框 62">
+            <a:extLst>
+              <a:ext uri="{FF2B5EF4-FFF2-40B4-BE49-F238E27FC236}">
+                <a16:creationId xmlns:a16="http://schemas.microsoft.com/office/drawing/2014/main" id="{721BDCFE-53C1-4E70-B068-143298B243F3}"/>
+              </a:ext>
+            </a:extLst>
+          </p:cNvPr>
+          <p:cNvSpPr txBox="1"/>
+          <p:nvPr/>
+        </p:nvSpPr>
+        <p:spPr>
+          <a:xfrm>
+            <a:off x="3821025" y="2497381"/>
+            <a:ext cx="433132" cy="338554"/>
+          </a:xfrm>
+          <a:prstGeom prst="rect">
+            <a:avLst/>
+          </a:prstGeom>
+          <a:noFill/>
+        </p:spPr>
+        <p:txBody>
+          <a:bodyPr wrap="none" rtlCol="0">
+            <a:spAutoFit/>
+          </a:bodyPr>
+          <a:lstStyle/>
+          <a:p>
+            <a:r>
+              <a:rPr lang="en-US" altLang="zh-CN" sz="1600" dirty="0" err="1">
+                <a:solidFill>
+                  <a:schemeClr val="bg1"/>
+                </a:solidFill>
+                <a:latin typeface="Tw Cen MT" panose="020B0602020104020603" pitchFamily="34" charset="0"/>
+              </a:rPr>
+              <a:t>Btn</a:t>
+            </a:r>
+            <a:endParaRPr lang="zh-CN" altLang="en-US" sz="1600" dirty="0">
+              <a:solidFill>
+                <a:schemeClr val="bg1"/>
+              </a:solidFill>
+              <a:latin typeface="Tw Cen MT" panose="020B0602020104020603" pitchFamily="34" charset="0"/>
+            </a:endParaRPr>
+          </a:p>
+        </p:txBody>
+      </p:sp>
     </p:spTree>
     <p:extLst>
       <p:ext uri="{BB962C8B-B14F-4D97-AF65-F5344CB8AC3E}">
@@ -5958,6 +6364,487 @@
 </file>
 
 <file path=ppt/slides/slide2.xml><?xml version="1.0" encoding="utf-8"?>
+<p:sld xmlns:a="http://schemas.openxmlformats.org/drawingml/2006/main" xmlns:r="http://schemas.openxmlformats.org/officeDocument/2006/relationships" xmlns:p="http://schemas.openxmlformats.org/presentationml/2006/main">
+  <p:cSld>
+    <p:spTree>
+      <p:nvGrpSpPr>
+        <p:cNvPr id="1" name=""/>
+        <p:cNvGrpSpPr/>
+        <p:nvPr/>
+      </p:nvGrpSpPr>
+      <p:grpSpPr>
+        <a:xfrm>
+          <a:off x="0" y="0"/>
+          <a:ext cx="0" cy="0"/>
+          <a:chOff x="0" y="0"/>
+          <a:chExt cx="0" cy="0"/>
+        </a:xfrm>
+      </p:grpSpPr>
+      <p:sp>
+        <p:nvSpPr>
+          <p:cNvPr id="19" name="矩形: 圆角 18">
+            <a:extLst>
+              <a:ext uri="{FF2B5EF4-FFF2-40B4-BE49-F238E27FC236}">
+                <a16:creationId xmlns:a16="http://schemas.microsoft.com/office/drawing/2014/main" id="{B6E6A3BB-BFED-4F69-A478-CD24A1D1FB4C}"/>
+              </a:ext>
+            </a:extLst>
+          </p:cNvPr>
+          <p:cNvSpPr/>
+          <p:nvPr/>
+        </p:nvSpPr>
+        <p:spPr>
+          <a:xfrm>
+            <a:off x="2367822" y="1390428"/>
+            <a:ext cx="2833840" cy="2811569"/>
+          </a:xfrm>
+          <a:prstGeom prst="roundRect">
+            <a:avLst>
+              <a:gd name="adj" fmla="val 50000"/>
+            </a:avLst>
+          </a:prstGeom>
+          <a:solidFill>
+            <a:srgbClr val="FFC000"/>
+          </a:solidFill>
+          <a:ln w="19050">
+            <a:noFill/>
+          </a:ln>
+          <a:effectLst>
+            <a:outerShdw blurRad="406400" algn="ctr" rotWithShape="0">
+              <a:srgbClr val="FFC000">
+                <a:alpha val="60000"/>
+              </a:srgbClr>
+            </a:outerShdw>
+          </a:effectLst>
+        </p:spPr>
+        <p:style>
+          <a:lnRef idx="2">
+            <a:schemeClr val="accent1">
+              <a:shade val="50000"/>
+            </a:schemeClr>
+          </a:lnRef>
+          <a:fillRef idx="1">
+            <a:schemeClr val="accent1"/>
+          </a:fillRef>
+          <a:effectRef idx="0">
+            <a:schemeClr val="accent1"/>
+          </a:effectRef>
+          <a:fontRef idx="minor">
+            <a:schemeClr val="lt1"/>
+          </a:fontRef>
+        </p:style>
+        <p:txBody>
+          <a:bodyPr rtlCol="0" anchor="ctr"/>
+          <a:lstStyle/>
+          <a:p>
+            <a:pPr algn="ctr"/>
+            <a:endParaRPr lang="zh-CN" altLang="en-US"/>
+          </a:p>
+        </p:txBody>
+      </p:sp>
+      <p:sp>
+        <p:nvSpPr>
+          <p:cNvPr id="20" name="任意多边形: 形状 19">
+            <a:extLst>
+              <a:ext uri="{FF2B5EF4-FFF2-40B4-BE49-F238E27FC236}">
+                <a16:creationId xmlns:a16="http://schemas.microsoft.com/office/drawing/2014/main" id="{EED82776-0087-433B-B732-6A747911EF54}"/>
+              </a:ext>
+            </a:extLst>
+          </p:cNvPr>
+          <p:cNvSpPr/>
+          <p:nvPr/>
+        </p:nvSpPr>
+        <p:spPr>
+          <a:xfrm>
+            <a:off x="3213054" y="2311421"/>
+            <a:ext cx="1988608" cy="1890576"/>
+          </a:xfrm>
+          <a:custGeom>
+            <a:avLst/>
+            <a:gdLst>
+              <a:gd name="connsiteX0" fmla="*/ 324000 w 454725"/>
+              <a:gd name="connsiteY0" fmla="*/ 0 h 435733"/>
+              <a:gd name="connsiteX1" fmla="*/ 389297 w 454725"/>
+              <a:gd name="connsiteY1" fmla="*/ 6583 h 435733"/>
+              <a:gd name="connsiteX2" fmla="*/ 440727 w 454725"/>
+              <a:gd name="connsiteY2" fmla="*/ 22547 h 435733"/>
+              <a:gd name="connsiteX3" fmla="*/ 448142 w 454725"/>
+              <a:gd name="connsiteY3" fmla="*/ 46436 h 435733"/>
+              <a:gd name="connsiteX4" fmla="*/ 454725 w 454725"/>
+              <a:gd name="connsiteY4" fmla="*/ 111733 h 435733"/>
+              <a:gd name="connsiteX5" fmla="*/ 130725 w 454725"/>
+              <a:gd name="connsiteY5" fmla="*/ 435733 h 435733"/>
+              <a:gd name="connsiteX6" fmla="*/ 65428 w 454725"/>
+              <a:gd name="connsiteY6" fmla="*/ 429151 h 435733"/>
+              <a:gd name="connsiteX7" fmla="*/ 13998 w 454725"/>
+              <a:gd name="connsiteY7" fmla="*/ 413186 h 435733"/>
+              <a:gd name="connsiteX8" fmla="*/ 6583 w 454725"/>
+              <a:gd name="connsiteY8" fmla="*/ 389297 h 435733"/>
+              <a:gd name="connsiteX9" fmla="*/ 0 w 454725"/>
+              <a:gd name="connsiteY9" fmla="*/ 324000 h 435733"/>
+              <a:gd name="connsiteX10" fmla="*/ 324000 w 454725"/>
+              <a:gd name="connsiteY10" fmla="*/ 0 h 435733"/>
+            </a:gdLst>
+            <a:ahLst/>
+            <a:cxnLst>
+              <a:cxn ang="0">
+                <a:pos x="connsiteX0" y="connsiteY0"/>
+              </a:cxn>
+              <a:cxn ang="0">
+                <a:pos x="connsiteX1" y="connsiteY1"/>
+              </a:cxn>
+              <a:cxn ang="0">
+                <a:pos x="connsiteX2" y="connsiteY2"/>
+              </a:cxn>
+              <a:cxn ang="0">
+                <a:pos x="connsiteX3" y="connsiteY3"/>
+              </a:cxn>
+              <a:cxn ang="0">
+                <a:pos x="connsiteX4" y="connsiteY4"/>
+              </a:cxn>
+              <a:cxn ang="0">
+                <a:pos x="connsiteX5" y="connsiteY5"/>
+              </a:cxn>
+              <a:cxn ang="0">
+                <a:pos x="connsiteX6" y="connsiteY6"/>
+              </a:cxn>
+              <a:cxn ang="0">
+                <a:pos x="connsiteX7" y="connsiteY7"/>
+              </a:cxn>
+              <a:cxn ang="0">
+                <a:pos x="connsiteX8" y="connsiteY8"/>
+              </a:cxn>
+              <a:cxn ang="0">
+                <a:pos x="connsiteX9" y="connsiteY9"/>
+              </a:cxn>
+              <a:cxn ang="0">
+                <a:pos x="connsiteX10" y="connsiteY10"/>
+              </a:cxn>
+            </a:cxnLst>
+            <a:rect l="l" t="t" r="r" b="b"/>
+            <a:pathLst>
+              <a:path w="454725" h="435733">
+                <a:moveTo>
+                  <a:pt x="324000" y="0"/>
+                </a:moveTo>
+                <a:cubicBezTo>
+                  <a:pt x="346367" y="0"/>
+                  <a:pt x="368206" y="2267"/>
+                  <a:pt x="389297" y="6583"/>
+                </a:cubicBezTo>
+                <a:lnTo>
+                  <a:pt x="440727" y="22547"/>
+                </a:lnTo>
+                <a:lnTo>
+                  <a:pt x="448142" y="46436"/>
+                </a:lnTo>
+                <a:cubicBezTo>
+                  <a:pt x="452458" y="67528"/>
+                  <a:pt x="454725" y="89366"/>
+                  <a:pt x="454725" y="111733"/>
+                </a:cubicBezTo>
+                <a:cubicBezTo>
+                  <a:pt x="454725" y="290673"/>
+                  <a:pt x="309665" y="435733"/>
+                  <a:pt x="130725" y="435733"/>
+                </a:cubicBezTo>
+                <a:cubicBezTo>
+                  <a:pt x="108358" y="435733"/>
+                  <a:pt x="86520" y="433467"/>
+                  <a:pt x="65428" y="429151"/>
+                </a:cubicBezTo>
+                <a:lnTo>
+                  <a:pt x="13998" y="413186"/>
+                </a:lnTo>
+                <a:lnTo>
+                  <a:pt x="6583" y="389297"/>
+                </a:lnTo>
+                <a:cubicBezTo>
+                  <a:pt x="2267" y="368206"/>
+                  <a:pt x="0" y="346368"/>
+                  <a:pt x="0" y="324000"/>
+                </a:cubicBezTo>
+                <a:cubicBezTo>
+                  <a:pt x="0" y="145060"/>
+                  <a:pt x="145060" y="0"/>
+                  <a:pt x="324000" y="0"/>
+                </a:cubicBezTo>
+                <a:close/>
+              </a:path>
+            </a:pathLst>
+          </a:custGeom>
+          <a:solidFill>
+            <a:schemeClr val="bg1">
+              <a:alpha val="30000"/>
+            </a:schemeClr>
+          </a:solidFill>
+          <a:ln w="19050">
+            <a:noFill/>
+          </a:ln>
+        </p:spPr>
+        <p:style>
+          <a:lnRef idx="2">
+            <a:schemeClr val="accent1">
+              <a:shade val="50000"/>
+            </a:schemeClr>
+          </a:lnRef>
+          <a:fillRef idx="1">
+            <a:schemeClr val="accent1"/>
+          </a:fillRef>
+          <a:effectRef idx="0">
+            <a:schemeClr val="accent1"/>
+          </a:effectRef>
+          <a:fontRef idx="minor">
+            <a:schemeClr val="lt1"/>
+          </a:fontRef>
+        </p:style>
+        <p:txBody>
+          <a:bodyPr wrap="square" rtlCol="0" anchor="ctr">
+            <a:noAutofit/>
+          </a:bodyPr>
+          <a:lstStyle/>
+          <a:p>
+            <a:pPr algn="ctr"/>
+            <a:endParaRPr lang="zh-CN" altLang="en-US"/>
+          </a:p>
+        </p:txBody>
+      </p:sp>
+      <p:sp>
+        <p:nvSpPr>
+          <p:cNvPr id="27" name="矩形 26">
+            <a:extLst>
+              <a:ext uri="{FF2B5EF4-FFF2-40B4-BE49-F238E27FC236}">
+                <a16:creationId xmlns:a16="http://schemas.microsoft.com/office/drawing/2014/main" id="{2165942B-7FD3-4842-9AE1-B31FDE0FDBEE}"/>
+              </a:ext>
+            </a:extLst>
+          </p:cNvPr>
+          <p:cNvSpPr/>
+          <p:nvPr/>
+        </p:nvSpPr>
+        <p:spPr>
+          <a:xfrm>
+            <a:off x="3054071" y="1955644"/>
+            <a:ext cx="1458767" cy="1706379"/>
+          </a:xfrm>
+          <a:prstGeom prst="rect">
+            <a:avLst/>
+          </a:prstGeom>
+          <a:solidFill>
+            <a:schemeClr val="bg1">
+              <a:alpha val="70000"/>
+            </a:schemeClr>
+          </a:solidFill>
+          <a:ln w="19050">
+            <a:noFill/>
+          </a:ln>
+        </p:spPr>
+        <p:style>
+          <a:lnRef idx="2">
+            <a:schemeClr val="accent1">
+              <a:shade val="50000"/>
+            </a:schemeClr>
+          </a:lnRef>
+          <a:fillRef idx="1">
+            <a:schemeClr val="accent1"/>
+          </a:fillRef>
+          <a:effectRef idx="0">
+            <a:schemeClr val="accent1"/>
+          </a:effectRef>
+          <a:fontRef idx="minor">
+            <a:schemeClr val="lt1"/>
+          </a:fontRef>
+        </p:style>
+        <p:txBody>
+          <a:bodyPr wrap="square" rtlCol="0" anchor="ctr">
+            <a:noAutofit/>
+          </a:bodyPr>
+          <a:lstStyle/>
+          <a:p>
+            <a:pPr algn="ctr"/>
+            <a:endParaRPr lang="zh-CN" altLang="en-US"/>
+          </a:p>
+        </p:txBody>
+      </p:sp>
+      <p:sp>
+        <p:nvSpPr>
+          <p:cNvPr id="28" name="矩形 27">
+            <a:extLst>
+              <a:ext uri="{FF2B5EF4-FFF2-40B4-BE49-F238E27FC236}">
+                <a16:creationId xmlns:a16="http://schemas.microsoft.com/office/drawing/2014/main" id="{0B9FB85D-A373-4058-9F8C-81D83A21EBBC}"/>
+              </a:ext>
+            </a:extLst>
+          </p:cNvPr>
+          <p:cNvSpPr/>
+          <p:nvPr/>
+        </p:nvSpPr>
+        <p:spPr>
+          <a:xfrm>
+            <a:off x="3054071" y="1826655"/>
+            <a:ext cx="1458767" cy="1706379"/>
+          </a:xfrm>
+          <a:prstGeom prst="rect">
+            <a:avLst/>
+          </a:prstGeom>
+          <a:solidFill>
+            <a:schemeClr val="bg1">
+              <a:alpha val="50000"/>
+            </a:schemeClr>
+          </a:solidFill>
+          <a:ln w="19050">
+            <a:noFill/>
+          </a:ln>
+        </p:spPr>
+        <p:style>
+          <a:lnRef idx="2">
+            <a:schemeClr val="accent1">
+              <a:shade val="50000"/>
+            </a:schemeClr>
+          </a:lnRef>
+          <a:fillRef idx="1">
+            <a:schemeClr val="accent1"/>
+          </a:fillRef>
+          <a:effectRef idx="0">
+            <a:schemeClr val="accent1"/>
+          </a:effectRef>
+          <a:fontRef idx="minor">
+            <a:schemeClr val="lt1"/>
+          </a:fontRef>
+        </p:style>
+        <p:txBody>
+          <a:bodyPr wrap="square" rtlCol="0" anchor="ctr">
+            <a:noAutofit/>
+          </a:bodyPr>
+          <a:lstStyle/>
+          <a:p>
+            <a:pPr algn="ctr"/>
+            <a:endParaRPr lang="zh-CN" altLang="en-US"/>
+          </a:p>
+        </p:txBody>
+      </p:sp>
+      <p:sp>
+        <p:nvSpPr>
+          <p:cNvPr id="26" name="任意多边形: 形状 25">
+            <a:extLst>
+              <a:ext uri="{FF2B5EF4-FFF2-40B4-BE49-F238E27FC236}">
+                <a16:creationId xmlns:a16="http://schemas.microsoft.com/office/drawing/2014/main" id="{51749CC4-3F4F-4750-9263-07CB6FE88CC8}"/>
+              </a:ext>
+            </a:extLst>
+          </p:cNvPr>
+          <p:cNvSpPr/>
+          <p:nvPr/>
+        </p:nvSpPr>
+        <p:spPr>
+          <a:xfrm>
+            <a:off x="2367822" y="2808834"/>
+            <a:ext cx="2831273" cy="1393163"/>
+          </a:xfrm>
+          <a:custGeom>
+            <a:avLst/>
+            <a:gdLst>
+              <a:gd name="connsiteX0" fmla="*/ 0 w 647413"/>
+              <a:gd name="connsiteY0" fmla="*/ 0 h 321091"/>
+              <a:gd name="connsiteX1" fmla="*/ 647413 w 647413"/>
+              <a:gd name="connsiteY1" fmla="*/ 0 h 321091"/>
+              <a:gd name="connsiteX2" fmla="*/ 641123 w 647413"/>
+              <a:gd name="connsiteY2" fmla="*/ 62388 h 321091"/>
+              <a:gd name="connsiteX3" fmla="*/ 323706 w 647413"/>
+              <a:gd name="connsiteY3" fmla="*/ 321091 h 321091"/>
+              <a:gd name="connsiteX4" fmla="*/ 6289 w 647413"/>
+              <a:gd name="connsiteY4" fmla="*/ 62388 h 321091"/>
+            </a:gdLst>
+            <a:ahLst/>
+            <a:cxnLst>
+              <a:cxn ang="0">
+                <a:pos x="connsiteX0" y="connsiteY0"/>
+              </a:cxn>
+              <a:cxn ang="0">
+                <a:pos x="connsiteX1" y="connsiteY1"/>
+              </a:cxn>
+              <a:cxn ang="0">
+                <a:pos x="connsiteX2" y="connsiteY2"/>
+              </a:cxn>
+              <a:cxn ang="0">
+                <a:pos x="connsiteX3" y="connsiteY3"/>
+              </a:cxn>
+              <a:cxn ang="0">
+                <a:pos x="connsiteX4" y="connsiteY4"/>
+              </a:cxn>
+            </a:cxnLst>
+            <a:rect l="l" t="t" r="r" b="b"/>
+            <a:pathLst>
+              <a:path w="647413" h="321091">
+                <a:moveTo>
+                  <a:pt x="0" y="0"/>
+                </a:moveTo>
+                <a:lnTo>
+                  <a:pt x="647413" y="0"/>
+                </a:lnTo>
+                <a:lnTo>
+                  <a:pt x="641123" y="62388"/>
+                </a:lnTo>
+                <a:cubicBezTo>
+                  <a:pt x="610912" y="210030"/>
+                  <a:pt x="480279" y="321091"/>
+                  <a:pt x="323706" y="321091"/>
+                </a:cubicBezTo>
+                <a:cubicBezTo>
+                  <a:pt x="167134" y="321091"/>
+                  <a:pt x="36501" y="210030"/>
+                  <a:pt x="6289" y="62388"/>
+                </a:cubicBezTo>
+                <a:close/>
+              </a:path>
+            </a:pathLst>
+          </a:custGeom>
+          <a:solidFill>
+            <a:schemeClr val="bg1">
+              <a:alpha val="70000"/>
+            </a:schemeClr>
+          </a:solidFill>
+          <a:ln w="19050">
+            <a:noFill/>
+          </a:ln>
+        </p:spPr>
+        <p:style>
+          <a:lnRef idx="2">
+            <a:schemeClr val="accent1">
+              <a:shade val="50000"/>
+            </a:schemeClr>
+          </a:lnRef>
+          <a:fillRef idx="1">
+            <a:schemeClr val="accent1"/>
+          </a:fillRef>
+          <a:effectRef idx="0">
+            <a:schemeClr val="accent1"/>
+          </a:effectRef>
+          <a:fontRef idx="minor">
+            <a:schemeClr val="lt1"/>
+          </a:fontRef>
+        </p:style>
+        <p:txBody>
+          <a:bodyPr wrap="square" rtlCol="0" anchor="ctr">
+            <a:noAutofit/>
+          </a:bodyPr>
+          <a:lstStyle/>
+          <a:p>
+            <a:pPr algn="ctr"/>
+            <a:endParaRPr lang="zh-CN" altLang="en-US"/>
+          </a:p>
+        </p:txBody>
+      </p:sp>
+    </p:spTree>
+    <p:extLst>
+      <p:ext uri="{BB962C8B-B14F-4D97-AF65-F5344CB8AC3E}">
+        <p14:creationId xmlns:p14="http://schemas.microsoft.com/office/powerpoint/2010/main" val="3146124762"/>
+      </p:ext>
+    </p:extLst>
+  </p:cSld>
+  <p:clrMapOvr>
+    <a:masterClrMapping/>
+  </p:clrMapOvr>
+</p:sld>
+</file>
+
+<file path=ppt/slides/slide3.xml><?xml version="1.0" encoding="utf-8"?>
 <p:sld xmlns:a="http://schemas.openxmlformats.org/drawingml/2006/main" xmlns:r="http://schemas.openxmlformats.org/officeDocument/2006/relationships" xmlns:p="http://schemas.openxmlformats.org/presentationml/2006/main">
   <p:cSld>
     <p:bg>
@@ -7095,7 +7982,7 @@
 </p:sld>
 </file>
 
-<file path=ppt/slides/slide3.xml><?xml version="1.0" encoding="utf-8"?>
+<file path=ppt/slides/slide4.xml><?xml version="1.0" encoding="utf-8"?>
 <p:sld xmlns:a="http://schemas.openxmlformats.org/drawingml/2006/main" xmlns:r="http://schemas.openxmlformats.org/officeDocument/2006/relationships" xmlns:p="http://schemas.openxmlformats.org/presentationml/2006/main">
   <p:cSld>
     <p:spTree>
